--- a/tehtavat/tiedostot/maol/power_point/Racket-MAOL-5-6-turtle1.pptx
+++ b/tehtavat/tiedostot/maol/power_point/Racket-MAOL-5-6-turtle1.pptx
@@ -12131,7 +12131,7 @@
                 </a:solidFill>
                 <a:latin typeface="Arial" charset="0"/>
               </a:rPr>
-              <a:t>3) pen-up, pend-down, change-color</a:t>
+              <a:t>3) pen-up, pen-down, change-color</a:t>
             </a:r>
             <a:endParaRPr lang="fi-FI" sz="3200" dirty="0"/>
           </a:p>

--- a/tehtavat/tiedostot/maol/power_point/Racket-MAOL-5-6-turtle1.pptx
+++ b/tehtavat/tiedostot/maol/power_point/Racket-MAOL-5-6-turtle1.pptx
@@ -12398,7 +12398,7 @@
         <p:spPr>
           <a:xfrm>
             <a:off x="442925" y="2017547"/>
-            <a:ext cx="8216631" cy="4154984"/>
+            <a:ext cx="8216631" cy="4462760"/>
           </a:xfrm>
           <a:prstGeom prst="rect">
             <a:avLst/>
@@ -12510,7 +12510,7 @@
                 <a:latin typeface="Courier New" panose="02070309020205020404" pitchFamily="49" charset="0"/>
                 <a:cs typeface="Courier New" panose="02070309020205020404" pitchFamily="49" charset="0"/>
               </a:rPr>
-              <a:t>          (pen-up)  </a:t>
+              <a:t>          (pen-up)   </a:t>
             </a:r>
           </a:p>
           <a:p>
@@ -12525,7 +12525,7 @@
                 <a:latin typeface="Courier New" panose="02070309020205020404" pitchFamily="49" charset="0"/>
                 <a:cs typeface="Courier New" panose="02070309020205020404" pitchFamily="49" charset="0"/>
               </a:rPr>
-              <a:t>          (forward 100) </a:t>
+              <a:t>				(forward 100) </a:t>
             </a:r>
           </a:p>
           <a:p>
@@ -12540,7 +12540,7 @@
                 <a:latin typeface="Courier New" panose="02070309020205020404" pitchFamily="49" charset="0"/>
                 <a:cs typeface="Courier New" panose="02070309020205020404" pitchFamily="49" charset="0"/>
               </a:rPr>
-              <a:t>          (change-color ”red”) </a:t>
+              <a:t>				(change-color ”red”)</a:t>
             </a:r>
           </a:p>
           <a:p>
@@ -12570,7 +12570,22 @@
                 <a:latin typeface="Courier New" panose="02070309020205020404" pitchFamily="49" charset="0"/>
                 <a:cs typeface="Courier New" panose="02070309020205020404" pitchFamily="49" charset="0"/>
               </a:rPr>
-              <a:t>                       </a:t>
+              <a:t>          (forward 100)  </a:t>
+            </a:r>
+          </a:p>
+          <a:p>
+            <a:r>
+              <a:rPr lang="fi-FI" sz="2400" dirty="0">
+                <a:solidFill>
+                  <a:schemeClr val="tx2">
+                    <a:lumMod val="75000"/>
+                    <a:lumOff val="25000"/>
+                  </a:schemeClr>
+                </a:solidFill>
+                <a:latin typeface="Courier New" panose="02070309020205020404" pitchFamily="49" charset="0"/>
+                <a:cs typeface="Courier New" panose="02070309020205020404" pitchFamily="49" charset="0"/>
+              </a:rPr>
+              <a:t>             </a:t>
             </a:r>
             <a:endParaRPr lang="fi-FI" sz="2800" dirty="0">
               <a:solidFill>
@@ -12841,7 +12856,7 @@
         </p:nvSpPr>
         <p:spPr>
           <a:xfrm>
-            <a:off x="4716016" y="5428590"/>
+            <a:off x="4860032" y="5366319"/>
             <a:ext cx="2659702" cy="523220"/>
           </a:xfrm>
           <a:prstGeom prst="rect">

--- a/tehtavat/tiedostot/maol/power_point/Racket-MAOL-5-6-turtle1.pptx
+++ b/tehtavat/tiedostot/maol/power_point/Racket-MAOL-5-6-turtle1.pptx
@@ -6,23 +6,25 @@
     <p:sldMasterId id="2147483703" r:id="rId2"/>
   </p:sldMasterIdLst>
   <p:notesMasterIdLst>
-    <p:notesMasterId r:id="rId12"/>
+    <p:notesMasterId r:id="rId14"/>
   </p:notesMasterIdLst>
   <p:sldIdLst>
     <p:sldId id="374" r:id="rId3"/>
     <p:sldId id="370" r:id="rId4"/>
-    <p:sldId id="377" r:id="rId5"/>
+    <p:sldId id="382" r:id="rId5"/>
     <p:sldId id="380" r:id="rId6"/>
     <p:sldId id="369" r:id="rId7"/>
     <p:sldId id="379" r:id="rId8"/>
     <p:sldId id="378" r:id="rId9"/>
     <p:sldId id="372" r:id="rId10"/>
     <p:sldId id="381" r:id="rId11"/>
+    <p:sldId id="383" r:id="rId12"/>
+    <p:sldId id="377" r:id="rId13"/>
   </p:sldIdLst>
   <p:sldSz cx="9144000" cy="6858000" type="screen4x3"/>
   <p:notesSz cx="6858000" cy="9144000"/>
   <p:custDataLst>
-    <p:tags r:id="rId13"/>
+    <p:tags r:id="rId15"/>
   </p:custDataLst>
   <p:defaultTextStyle>
     <a:defPPr>
@@ -7755,6 +7757,982 @@
 </p:sld>
 </file>
 
+<file path=ppt/slides/slide10.xml><?xml version="1.0" encoding="utf-8"?>
+<p:sld xmlns:a="http://schemas.openxmlformats.org/drawingml/2006/main" xmlns:r="http://schemas.openxmlformats.org/officeDocument/2006/relationships" xmlns:p="http://schemas.openxmlformats.org/presentationml/2006/main">
+  <p:cSld>
+    <p:spTree>
+      <p:nvGrpSpPr>
+        <p:cNvPr id="1" name=""/>
+        <p:cNvGrpSpPr/>
+        <p:nvPr/>
+      </p:nvGrpSpPr>
+      <p:grpSpPr>
+        <a:xfrm>
+          <a:off x="0" y="0"/>
+          <a:ext cx="0" cy="0"/>
+          <a:chOff x="0" y="0"/>
+          <a:chExt cx="0" cy="0"/>
+        </a:xfrm>
+      </p:grpSpPr>
+      <p:sp>
+        <p:nvSpPr>
+          <p:cNvPr id="3" name="Title 2"/>
+          <p:cNvSpPr>
+            <a:spLocks noGrp="1"/>
+          </p:cNvSpPr>
+          <p:nvPr>
+            <p:ph type="title"/>
+          </p:nvPr>
+        </p:nvSpPr>
+        <p:spPr/>
+        <p:txBody>
+          <a:bodyPr/>
+          <a:lstStyle/>
+          <a:p>
+            <a:r>
+              <a:rPr lang="fi-FI"/>
+              <a:t>POISTETTU</a:t>
+            </a:r>
+            <a:endParaRPr lang="fi-FI"/>
+          </a:p>
+        </p:txBody>
+      </p:sp>
+      <p:sp>
+        <p:nvSpPr>
+          <p:cNvPr id="4" name="Text Placeholder 3"/>
+          <p:cNvSpPr>
+            <a:spLocks noGrp="1"/>
+          </p:cNvSpPr>
+          <p:nvPr>
+            <p:ph type="body" idx="1"/>
+          </p:nvPr>
+        </p:nvSpPr>
+        <p:spPr/>
+        <p:txBody>
+          <a:bodyPr/>
+          <a:lstStyle/>
+          <a:p>
+            <a:endParaRPr lang="fi-FI"/>
+          </a:p>
+        </p:txBody>
+      </p:sp>
+      <p:sp>
+        <p:nvSpPr>
+          <p:cNvPr id="2" name="Footer Placeholder 1"/>
+          <p:cNvSpPr>
+            <a:spLocks noGrp="1"/>
+          </p:cNvSpPr>
+          <p:nvPr>
+            <p:ph type="ftr" sz="quarter" idx="11"/>
+          </p:nvPr>
+        </p:nvSpPr>
+        <p:spPr/>
+        <p:txBody>
+          <a:bodyPr/>
+          <a:lstStyle/>
+          <a:p>
+            <a:pPr>
+              <a:defRPr/>
+            </a:pPr>
+            <a:r>
+              <a:rPr lang="fi-FI"/>
+              <a:t>MAOL Ohjelmointia matematiikkaan</a:t>
+            </a:r>
+            <a:endParaRPr lang="ru-RU"/>
+          </a:p>
+        </p:txBody>
+      </p:sp>
+    </p:spTree>
+    <p:extLst>
+      <p:ext uri="{BB962C8B-B14F-4D97-AF65-F5344CB8AC3E}">
+        <p14:creationId xmlns:p14="http://schemas.microsoft.com/office/powerpoint/2010/main" val="4230050268"/>
+      </p:ext>
+    </p:extLst>
+  </p:cSld>
+  <p:clrMapOvr>
+    <a:masterClrMapping/>
+  </p:clrMapOvr>
+</p:sld>
+</file>
+
+<file path=ppt/slides/slide11.xml><?xml version="1.0" encoding="utf-8"?>
+<p:sld xmlns:a="http://schemas.openxmlformats.org/drawingml/2006/main" xmlns:r="http://schemas.openxmlformats.org/officeDocument/2006/relationships" xmlns:p="http://schemas.openxmlformats.org/presentationml/2006/main">
+  <p:cSld>
+    <p:spTree>
+      <p:nvGrpSpPr>
+        <p:cNvPr id="1" name=""/>
+        <p:cNvGrpSpPr/>
+        <p:nvPr/>
+      </p:nvGrpSpPr>
+      <p:grpSpPr>
+        <a:xfrm>
+          <a:off x="0" y="0"/>
+          <a:ext cx="0" cy="0"/>
+          <a:chOff x="0" y="0"/>
+          <a:chExt cx="0" cy="0"/>
+        </a:xfrm>
+      </p:grpSpPr>
+      <p:pic>
+        <p:nvPicPr>
+          <p:cNvPr id="3" name="Picture 8" descr="https://avatars0.githubusercontent.com/u/232371?v=3&amp;s=400"/>
+          <p:cNvPicPr>
+            <a:picLocks noChangeAspect="1" noChangeArrowheads="1"/>
+          </p:cNvPicPr>
+          <p:nvPr/>
+        </p:nvPicPr>
+        <p:blipFill>
+          <a:blip r:embed="rId2" cstate="print">
+            <a:extLst>
+              <a:ext uri="{28A0092B-C50C-407E-A947-70E740481C1C}">
+                <a14:useLocalDpi xmlns:a14="http://schemas.microsoft.com/office/drawing/2010/main" val="0"/>
+              </a:ext>
+            </a:extLst>
+          </a:blip>
+          <a:srcRect/>
+          <a:stretch>
+            <a:fillRect/>
+          </a:stretch>
+        </p:blipFill>
+        <p:spPr bwMode="auto">
+          <a:xfrm>
+            <a:off x="405542" y="5262205"/>
+            <a:ext cx="1254667" cy="1254668"/>
+          </a:xfrm>
+          <a:prstGeom prst="rect">
+            <a:avLst/>
+          </a:prstGeom>
+          <a:noFill/>
+          <a:ln>
+            <a:noFill/>
+          </a:ln>
+          <a:extLst>
+            <a:ext uri="{909E8E84-426E-40DD-AFC4-6F175D3DCCD1}">
+              <a14:hiddenFill xmlns:a14="http://schemas.microsoft.com/office/drawing/2010/main">
+                <a:solidFill>
+                  <a:srgbClr val="FFFFFF"/>
+                </a:solidFill>
+              </a14:hiddenFill>
+            </a:ext>
+            <a:ext uri="{91240B29-F687-4F45-9708-019B960494DF}">
+              <a14:hiddenLine xmlns:a14="http://schemas.microsoft.com/office/drawing/2010/main" w="9525">
+                <a:solidFill>
+                  <a:srgbClr val="000000"/>
+                </a:solidFill>
+                <a:miter lim="800000"/>
+                <a:headEnd/>
+                <a:tailEnd/>
+              </a14:hiddenLine>
+            </a:ext>
+          </a:extLst>
+        </p:spPr>
+      </p:pic>
+      <p:sp>
+        <p:nvSpPr>
+          <p:cNvPr id="10" name="Otsikko 1"/>
+          <p:cNvSpPr txBox="1">
+            <a:spLocks/>
+          </p:cNvSpPr>
+          <p:nvPr/>
+        </p:nvSpPr>
+        <p:spPr bwMode="auto">
+          <a:xfrm>
+            <a:off x="353192" y="752966"/>
+            <a:ext cx="5947000" cy="599694"/>
+          </a:xfrm>
+          <a:prstGeom prst="rect">
+            <a:avLst/>
+          </a:prstGeom>
+          <a:noFill/>
+          <a:ln>
+            <a:noFill/>
+          </a:ln>
+          <a:extLst>
+            <a:ext uri="{909E8E84-426E-40DD-AFC4-6F175D3DCCD1}">
+              <a14:hiddenFill xmlns:a14="http://schemas.microsoft.com/office/drawing/2010/main">
+                <a:solidFill>
+                  <a:srgbClr val="FFFFFF"/>
+                </a:solidFill>
+              </a14:hiddenFill>
+            </a:ext>
+            <a:ext uri="{91240B29-F687-4F45-9708-019B960494DF}">
+              <a14:hiddenLine xmlns:a14="http://schemas.microsoft.com/office/drawing/2010/main" w="9525">
+                <a:solidFill>
+                  <a:srgbClr val="000000"/>
+                </a:solidFill>
+                <a:round/>
+                <a:headEnd/>
+                <a:tailEnd/>
+              </a14:hiddenLine>
+            </a:ext>
+          </a:extLst>
+        </p:spPr>
+        <p:txBody>
+          <a:bodyPr vert="horz" wrap="square" lIns="90000" tIns="46800" rIns="90000" bIns="46800" numCol="1" anchor="ctr" anchorCtr="0" compatLnSpc="1">
+            <a:prstTxWarp prst="textNoShape">
+              <a:avLst/>
+            </a:prstTxWarp>
+          </a:bodyPr>
+          <a:lstStyle>
+            <a:lvl1pPr algn="ctr" defTabSz="449263" rtl="0" eaLnBrk="0" fontAlgn="base" hangingPunct="0">
+              <a:spcBef>
+                <a:spcPct val="0"/>
+              </a:spcBef>
+              <a:spcAft>
+                <a:spcPct val="0"/>
+              </a:spcAft>
+              <a:buClr>
+                <a:srgbClr val="000000"/>
+              </a:buClr>
+              <a:buSzPct val="100000"/>
+              <a:buFont typeface="Times New Roman" panose="02020603050405020304" pitchFamily="18" charset="0"/>
+              <a:defRPr sz="4400">
+                <a:solidFill>
+                  <a:srgbClr val="000000"/>
+                </a:solidFill>
+                <a:latin typeface="+mj-lt"/>
+                <a:ea typeface="+mj-ea"/>
+                <a:cs typeface="+mj-cs"/>
+              </a:defRPr>
+            </a:lvl1pPr>
+            <a:lvl2pPr algn="ctr" defTabSz="449263" rtl="0" eaLnBrk="0" fontAlgn="base" hangingPunct="0">
+              <a:spcBef>
+                <a:spcPct val="0"/>
+              </a:spcBef>
+              <a:spcAft>
+                <a:spcPct val="0"/>
+              </a:spcAft>
+              <a:buClr>
+                <a:srgbClr val="000000"/>
+              </a:buClr>
+              <a:buSzPct val="100000"/>
+              <a:buFont typeface="Times New Roman" panose="02020603050405020304" pitchFamily="18" charset="0"/>
+              <a:defRPr sz="4400">
+                <a:solidFill>
+                  <a:srgbClr val="000000"/>
+                </a:solidFill>
+                <a:latin typeface="Arial" charset="0"/>
+                <a:ea typeface="AR PL Mingti2L Big5" charset="0"/>
+                <a:cs typeface="AR PL Mingti2L Big5" charset="0"/>
+              </a:defRPr>
+            </a:lvl2pPr>
+            <a:lvl3pPr algn="ctr" defTabSz="449263" rtl="0" eaLnBrk="0" fontAlgn="base" hangingPunct="0">
+              <a:spcBef>
+                <a:spcPct val="0"/>
+              </a:spcBef>
+              <a:spcAft>
+                <a:spcPct val="0"/>
+              </a:spcAft>
+              <a:buClr>
+                <a:srgbClr val="000000"/>
+              </a:buClr>
+              <a:buSzPct val="100000"/>
+              <a:buFont typeface="Times New Roman" panose="02020603050405020304" pitchFamily="18" charset="0"/>
+              <a:defRPr sz="4400">
+                <a:solidFill>
+                  <a:srgbClr val="000000"/>
+                </a:solidFill>
+                <a:latin typeface="Arial" charset="0"/>
+                <a:ea typeface="AR PL Mingti2L Big5" charset="0"/>
+                <a:cs typeface="AR PL Mingti2L Big5" charset="0"/>
+              </a:defRPr>
+            </a:lvl3pPr>
+            <a:lvl4pPr algn="ctr" defTabSz="449263" rtl="0" eaLnBrk="0" fontAlgn="base" hangingPunct="0">
+              <a:spcBef>
+                <a:spcPct val="0"/>
+              </a:spcBef>
+              <a:spcAft>
+                <a:spcPct val="0"/>
+              </a:spcAft>
+              <a:buClr>
+                <a:srgbClr val="000000"/>
+              </a:buClr>
+              <a:buSzPct val="100000"/>
+              <a:buFont typeface="Times New Roman" panose="02020603050405020304" pitchFamily="18" charset="0"/>
+              <a:defRPr sz="4400">
+                <a:solidFill>
+                  <a:srgbClr val="000000"/>
+                </a:solidFill>
+                <a:latin typeface="Arial" charset="0"/>
+                <a:ea typeface="AR PL Mingti2L Big5" charset="0"/>
+                <a:cs typeface="AR PL Mingti2L Big5" charset="0"/>
+              </a:defRPr>
+            </a:lvl4pPr>
+            <a:lvl5pPr algn="ctr" defTabSz="449263" rtl="0" eaLnBrk="0" fontAlgn="base" hangingPunct="0">
+              <a:spcBef>
+                <a:spcPct val="0"/>
+              </a:spcBef>
+              <a:spcAft>
+                <a:spcPct val="0"/>
+              </a:spcAft>
+              <a:buClr>
+                <a:srgbClr val="000000"/>
+              </a:buClr>
+              <a:buSzPct val="100000"/>
+              <a:buFont typeface="Times New Roman" panose="02020603050405020304" pitchFamily="18" charset="0"/>
+              <a:defRPr sz="4400">
+                <a:solidFill>
+                  <a:srgbClr val="000000"/>
+                </a:solidFill>
+                <a:latin typeface="Arial" charset="0"/>
+                <a:ea typeface="AR PL Mingti2L Big5" charset="0"/>
+                <a:cs typeface="AR PL Mingti2L Big5" charset="0"/>
+              </a:defRPr>
+            </a:lvl5pPr>
+            <a:lvl6pPr marL="2514600" indent="-228600" algn="ctr" defTabSz="449263" rtl="0" fontAlgn="base">
+              <a:spcBef>
+                <a:spcPct val="0"/>
+              </a:spcBef>
+              <a:spcAft>
+                <a:spcPct val="0"/>
+              </a:spcAft>
+              <a:buClr>
+                <a:srgbClr val="000000"/>
+              </a:buClr>
+              <a:buSzPct val="100000"/>
+              <a:buFont typeface="Times New Roman" pitchFamily="16" charset="0"/>
+              <a:defRPr sz="4400">
+                <a:solidFill>
+                  <a:srgbClr val="000000"/>
+                </a:solidFill>
+                <a:latin typeface="Arial" charset="0"/>
+                <a:ea typeface="AR PL Mingti2L Big5" charset="0"/>
+                <a:cs typeface="AR PL Mingti2L Big5" charset="0"/>
+              </a:defRPr>
+            </a:lvl6pPr>
+            <a:lvl7pPr marL="2971800" indent="-228600" algn="ctr" defTabSz="449263" rtl="0" fontAlgn="base">
+              <a:spcBef>
+                <a:spcPct val="0"/>
+              </a:spcBef>
+              <a:spcAft>
+                <a:spcPct val="0"/>
+              </a:spcAft>
+              <a:buClr>
+                <a:srgbClr val="000000"/>
+              </a:buClr>
+              <a:buSzPct val="100000"/>
+              <a:buFont typeface="Times New Roman" pitchFamily="16" charset="0"/>
+              <a:defRPr sz="4400">
+                <a:solidFill>
+                  <a:srgbClr val="000000"/>
+                </a:solidFill>
+                <a:latin typeface="Arial" charset="0"/>
+                <a:ea typeface="AR PL Mingti2L Big5" charset="0"/>
+                <a:cs typeface="AR PL Mingti2L Big5" charset="0"/>
+              </a:defRPr>
+            </a:lvl7pPr>
+            <a:lvl8pPr marL="3429000" indent="-228600" algn="ctr" defTabSz="449263" rtl="0" fontAlgn="base">
+              <a:spcBef>
+                <a:spcPct val="0"/>
+              </a:spcBef>
+              <a:spcAft>
+                <a:spcPct val="0"/>
+              </a:spcAft>
+              <a:buClr>
+                <a:srgbClr val="000000"/>
+              </a:buClr>
+              <a:buSzPct val="100000"/>
+              <a:buFont typeface="Times New Roman" pitchFamily="16" charset="0"/>
+              <a:defRPr sz="4400">
+                <a:solidFill>
+                  <a:srgbClr val="000000"/>
+                </a:solidFill>
+                <a:latin typeface="Arial" charset="0"/>
+                <a:ea typeface="AR PL Mingti2L Big5" charset="0"/>
+                <a:cs typeface="AR PL Mingti2L Big5" charset="0"/>
+              </a:defRPr>
+            </a:lvl8pPr>
+            <a:lvl9pPr marL="3886200" indent="-228600" algn="ctr" defTabSz="449263" rtl="0" fontAlgn="base">
+              <a:spcBef>
+                <a:spcPct val="0"/>
+              </a:spcBef>
+              <a:spcAft>
+                <a:spcPct val="0"/>
+              </a:spcAft>
+              <a:buClr>
+                <a:srgbClr val="000000"/>
+              </a:buClr>
+              <a:buSzPct val="100000"/>
+              <a:buFont typeface="Times New Roman" pitchFamily="16" charset="0"/>
+              <a:defRPr sz="4400">
+                <a:solidFill>
+                  <a:srgbClr val="000000"/>
+                </a:solidFill>
+                <a:latin typeface="Arial" charset="0"/>
+                <a:ea typeface="AR PL Mingti2L Big5" charset="0"/>
+                <a:cs typeface="AR PL Mingti2L Big5" charset="0"/>
+              </a:defRPr>
+            </a:lvl9pPr>
+          </a:lstStyle>
+          <a:p>
+            <a:pPr algn="l"/>
+            <a:r>
+              <a:rPr lang="fi-FI" altLang="fi-FI" sz="4000" b="1" kern="0" dirty="0">
+                <a:solidFill>
+                  <a:schemeClr val="accent6">
+                    <a:lumMod val="75000"/>
+                  </a:schemeClr>
+                </a:solidFill>
+              </a:rPr>
+              <a:t>Tutustutaan Turtleen</a:t>
+            </a:r>
+          </a:p>
+        </p:txBody>
+      </p:sp>
+      <p:sp>
+        <p:nvSpPr>
+          <p:cNvPr id="17" name="Alatunnisteen paikkamerkki 16"/>
+          <p:cNvSpPr>
+            <a:spLocks noGrp="1"/>
+          </p:cNvSpPr>
+          <p:nvPr>
+            <p:ph type="ftr" sz="quarter" idx="11"/>
+          </p:nvPr>
+        </p:nvSpPr>
+        <p:spPr/>
+        <p:txBody>
+          <a:bodyPr/>
+          <a:lstStyle/>
+          <a:p>
+            <a:pPr algn="r">
+              <a:defRPr/>
+            </a:pPr>
+            <a:r>
+              <a:rPr lang="fi-FI" dirty="0"/>
+              <a:t>MAOL Ohjelmointia matematiikkaan</a:t>
+            </a:r>
+            <a:endParaRPr lang="ru-RU" dirty="0"/>
+          </a:p>
+        </p:txBody>
+      </p:sp>
+      <p:pic>
+        <p:nvPicPr>
+          <p:cNvPr id="33" name="Picture 2" descr="WeScheme Logo"/>
+          <p:cNvPicPr>
+            <a:picLocks noChangeAspect="1" noChangeArrowheads="1"/>
+          </p:cNvPicPr>
+          <p:nvPr/>
+        </p:nvPicPr>
+        <p:blipFill>
+          <a:blip r:embed="rId3" cstate="print">
+            <a:extLst>
+              <a:ext uri="{28A0092B-C50C-407E-A947-70E740481C1C}">
+                <a14:useLocalDpi xmlns:a14="http://schemas.microsoft.com/office/drawing/2010/main" val="0"/>
+              </a:ext>
+            </a:extLst>
+          </a:blip>
+          <a:srcRect/>
+          <a:stretch>
+            <a:fillRect/>
+          </a:stretch>
+        </p:blipFill>
+        <p:spPr bwMode="auto">
+          <a:xfrm>
+            <a:off x="7163754" y="5133041"/>
+            <a:ext cx="1495802" cy="1383832"/>
+          </a:xfrm>
+          <a:prstGeom prst="rect">
+            <a:avLst/>
+          </a:prstGeom>
+          <a:noFill/>
+          <a:ln>
+            <a:noFill/>
+          </a:ln>
+          <a:effectLst>
+            <a:outerShdw blurRad="50800" dist="38100" dir="5400000" algn="t" rotWithShape="0">
+              <a:prstClr val="black">
+                <a:alpha val="40000"/>
+              </a:prstClr>
+            </a:outerShdw>
+          </a:effectLst>
+          <a:extLst>
+            <a:ext uri="{909E8E84-426E-40DD-AFC4-6F175D3DCCD1}">
+              <a14:hiddenFill xmlns:a14="http://schemas.microsoft.com/office/drawing/2010/main">
+                <a:solidFill>
+                  <a:srgbClr val="FFFFFF"/>
+                </a:solidFill>
+              </a14:hiddenFill>
+            </a:ext>
+            <a:ext uri="{91240B29-F687-4F45-9708-019B960494DF}">
+              <a14:hiddenLine xmlns:a14="http://schemas.microsoft.com/office/drawing/2010/main" w="9525">
+                <a:solidFill>
+                  <a:srgbClr val="000000"/>
+                </a:solidFill>
+                <a:miter lim="800000"/>
+                <a:headEnd/>
+                <a:tailEnd/>
+              </a14:hiddenLine>
+            </a:ext>
+          </a:extLst>
+        </p:spPr>
+      </p:pic>
+      <p:sp>
+        <p:nvSpPr>
+          <p:cNvPr id="2" name="Rectangle 1"/>
+          <p:cNvSpPr/>
+          <p:nvPr/>
+        </p:nvSpPr>
+        <p:spPr>
+          <a:xfrm>
+            <a:off x="4447607" y="3244334"/>
+            <a:ext cx="248786" cy="369332"/>
+          </a:xfrm>
+          <a:prstGeom prst="rect">
+            <a:avLst/>
+          </a:prstGeom>
+        </p:spPr>
+        <p:txBody>
+          <a:bodyPr wrap="none">
+            <a:spAutoFit/>
+          </a:bodyPr>
+          <a:lstStyle/>
+          <a:p>
+            <a:r>
+              <a:rPr lang="fi-FI" dirty="0"/>
+              <a:t>.</a:t>
+            </a:r>
+          </a:p>
+        </p:txBody>
+      </p:sp>
+      <p:pic>
+        <p:nvPicPr>
+          <p:cNvPr id="12" name="Picture 11"/>
+          <p:cNvPicPr>
+            <a:picLocks noChangeAspect="1"/>
+          </p:cNvPicPr>
+          <p:nvPr/>
+        </p:nvPicPr>
+        <p:blipFill>
+          <a:blip r:embed="rId4">
+            <a:extLst>
+              <a:ext uri="{28A0092B-C50C-407E-A947-70E740481C1C}">
+                <a14:useLocalDpi xmlns:a14="http://schemas.microsoft.com/office/drawing/2010/main" val="0"/>
+              </a:ext>
+            </a:extLst>
+          </a:blip>
+          <a:stretch>
+            <a:fillRect/>
+          </a:stretch>
+        </p:blipFill>
+        <p:spPr>
+          <a:xfrm>
+            <a:off x="4815311" y="1736043"/>
+            <a:ext cx="3096344" cy="3096344"/>
+          </a:xfrm>
+          <a:prstGeom prst="rect">
+            <a:avLst/>
+          </a:prstGeom>
+        </p:spPr>
+      </p:pic>
+      <p:sp>
+        <p:nvSpPr>
+          <p:cNvPr id="20" name="Suorakulmio 42"/>
+          <p:cNvSpPr/>
+          <p:nvPr/>
+        </p:nvSpPr>
+        <p:spPr>
+          <a:xfrm>
+            <a:off x="323528" y="1790666"/>
+            <a:ext cx="867545" cy="338554"/>
+          </a:xfrm>
+          <a:prstGeom prst="rect">
+            <a:avLst/>
+          </a:prstGeom>
+          <a:solidFill>
+            <a:schemeClr val="accent2">
+              <a:lumMod val="75000"/>
+            </a:schemeClr>
+          </a:solidFill>
+        </p:spPr>
+        <p:txBody>
+          <a:bodyPr wrap="none">
+            <a:spAutoFit/>
+          </a:bodyPr>
+          <a:lstStyle/>
+          <a:p>
+            <a:r>
+              <a:rPr lang="fi-FI" sz="1600" dirty="0">
+                <a:latin typeface="Arial" charset="0"/>
+              </a:rPr>
+              <a:t>Kirjasto</a:t>
+            </a:r>
+            <a:endParaRPr lang="fi-FI" sz="1600" dirty="0"/>
+          </a:p>
+        </p:txBody>
+      </p:sp>
+      <p:cxnSp>
+        <p:nvCxnSpPr>
+          <p:cNvPr id="19" name="Straight Arrow Connector 18"/>
+          <p:cNvCxnSpPr>
+            <a:stCxn id="20" idx="2"/>
+          </p:cNvCxnSpPr>
+          <p:nvPr/>
+        </p:nvCxnSpPr>
+        <p:spPr>
+          <a:xfrm>
+            <a:off x="757301" y="2129220"/>
+            <a:ext cx="214299" cy="428838"/>
+          </a:xfrm>
+          <a:prstGeom prst="straightConnector1">
+            <a:avLst/>
+          </a:prstGeom>
+          <a:ln>
+            <a:tailEnd type="triangle"/>
+          </a:ln>
+        </p:spPr>
+        <p:style>
+          <a:lnRef idx="1">
+            <a:schemeClr val="accent1"/>
+          </a:lnRef>
+          <a:fillRef idx="0">
+            <a:schemeClr val="accent1"/>
+          </a:fillRef>
+          <a:effectRef idx="0">
+            <a:schemeClr val="accent1"/>
+          </a:effectRef>
+          <a:fontRef idx="minor">
+            <a:schemeClr val="tx1"/>
+          </a:fontRef>
+        </p:style>
+      </p:cxnSp>
+      <p:pic>
+        <p:nvPicPr>
+          <p:cNvPr id="24" name="Picture 23"/>
+          <p:cNvPicPr>
+            <a:picLocks noChangeAspect="1"/>
+          </p:cNvPicPr>
+          <p:nvPr/>
+        </p:nvPicPr>
+        <p:blipFill>
+          <a:blip r:embed="rId5"/>
+          <a:stretch>
+            <a:fillRect/>
+          </a:stretch>
+        </p:blipFill>
+        <p:spPr>
+          <a:xfrm>
+            <a:off x="832705" y="2558058"/>
+            <a:ext cx="3923147" cy="1235342"/>
+          </a:xfrm>
+          <a:prstGeom prst="rect">
+            <a:avLst/>
+          </a:prstGeom>
+        </p:spPr>
+      </p:pic>
+      <p:sp>
+        <p:nvSpPr>
+          <p:cNvPr id="29" name="Suorakulmio 42"/>
+          <p:cNvSpPr/>
+          <p:nvPr/>
+        </p:nvSpPr>
+        <p:spPr>
+          <a:xfrm>
+            <a:off x="343393" y="3934456"/>
+            <a:ext cx="1324402" cy="338554"/>
+          </a:xfrm>
+          <a:prstGeom prst="rect">
+            <a:avLst/>
+          </a:prstGeom>
+          <a:solidFill>
+            <a:schemeClr val="accent2">
+              <a:lumMod val="75000"/>
+            </a:schemeClr>
+          </a:solidFill>
+        </p:spPr>
+        <p:txBody>
+          <a:bodyPr wrap="none">
+            <a:spAutoFit/>
+          </a:bodyPr>
+          <a:lstStyle/>
+          <a:p>
+            <a:r>
+              <a:rPr lang="fi-FI" sz="1600" dirty="0">
+                <a:latin typeface="Arial" charset="0"/>
+              </a:rPr>
+              <a:t>Piirto-funktio</a:t>
+            </a:r>
+            <a:endParaRPr lang="fi-FI" sz="1600" dirty="0"/>
+          </a:p>
+        </p:txBody>
+      </p:sp>
+      <p:cxnSp>
+        <p:nvCxnSpPr>
+          <p:cNvPr id="30" name="Straight Arrow Connector 29"/>
+          <p:cNvCxnSpPr/>
+          <p:nvPr/>
+        </p:nvCxnSpPr>
+        <p:spPr>
+          <a:xfrm flipV="1">
+            <a:off x="1005594" y="3284215"/>
+            <a:ext cx="185479" cy="650241"/>
+          </a:xfrm>
+          <a:prstGeom prst="straightConnector1">
+            <a:avLst/>
+          </a:prstGeom>
+          <a:ln>
+            <a:tailEnd type="triangle"/>
+          </a:ln>
+        </p:spPr>
+        <p:style>
+          <a:lnRef idx="1">
+            <a:schemeClr val="accent1"/>
+          </a:lnRef>
+          <a:fillRef idx="0">
+            <a:schemeClr val="accent1"/>
+          </a:fillRef>
+          <a:effectRef idx="0">
+            <a:schemeClr val="accent1"/>
+          </a:effectRef>
+          <a:fontRef idx="minor">
+            <a:schemeClr val="tx1"/>
+          </a:fontRef>
+        </p:style>
+      </p:cxnSp>
+      <p:sp>
+        <p:nvSpPr>
+          <p:cNvPr id="32" name="Suorakulmio 42"/>
+          <p:cNvSpPr/>
+          <p:nvPr/>
+        </p:nvSpPr>
+        <p:spPr>
+          <a:xfrm>
+            <a:off x="2254499" y="3943197"/>
+            <a:ext cx="1790875" cy="338554"/>
+          </a:xfrm>
+          <a:prstGeom prst="rect">
+            <a:avLst/>
+          </a:prstGeom>
+          <a:solidFill>
+            <a:schemeClr val="accent2">
+              <a:lumMod val="75000"/>
+            </a:schemeClr>
+          </a:solidFill>
+        </p:spPr>
+        <p:txBody>
+          <a:bodyPr wrap="none">
+            <a:spAutoFit/>
+          </a:bodyPr>
+          <a:lstStyle/>
+          <a:p>
+            <a:r>
+              <a:rPr lang="fi-FI" sz="1600" dirty="0">
+                <a:latin typeface="Arial" charset="0"/>
+              </a:rPr>
+              <a:t>Lista piirto-ohjeita</a:t>
+            </a:r>
+            <a:endParaRPr lang="fi-FI" sz="1600" dirty="0"/>
+          </a:p>
+        </p:txBody>
+      </p:sp>
+      <p:cxnSp>
+        <p:nvCxnSpPr>
+          <p:cNvPr id="34" name="Straight Arrow Connector 33"/>
+          <p:cNvCxnSpPr/>
+          <p:nvPr/>
+        </p:nvCxnSpPr>
+        <p:spPr>
+          <a:xfrm flipH="1" flipV="1">
+            <a:off x="1813416" y="3264533"/>
+            <a:ext cx="516580" cy="678664"/>
+          </a:xfrm>
+          <a:prstGeom prst="straightConnector1">
+            <a:avLst/>
+          </a:prstGeom>
+          <a:ln>
+            <a:tailEnd type="triangle"/>
+          </a:ln>
+        </p:spPr>
+        <p:style>
+          <a:lnRef idx="1">
+            <a:schemeClr val="accent1"/>
+          </a:lnRef>
+          <a:fillRef idx="0">
+            <a:schemeClr val="accent1"/>
+          </a:fillRef>
+          <a:effectRef idx="0">
+            <a:schemeClr val="accent1"/>
+          </a:effectRef>
+          <a:fontRef idx="minor">
+            <a:schemeClr val="tx1"/>
+          </a:fontRef>
+        </p:style>
+      </p:cxnSp>
+      <p:cxnSp>
+        <p:nvCxnSpPr>
+          <p:cNvPr id="37" name="Straight Arrow Connector 36"/>
+          <p:cNvCxnSpPr/>
+          <p:nvPr/>
+        </p:nvCxnSpPr>
+        <p:spPr>
+          <a:xfrm flipH="1">
+            <a:off x="6363483" y="2780928"/>
+            <a:ext cx="1016829" cy="483605"/>
+          </a:xfrm>
+          <a:prstGeom prst="straightConnector1">
+            <a:avLst/>
+          </a:prstGeom>
+          <a:ln>
+            <a:tailEnd type="triangle"/>
+          </a:ln>
+        </p:spPr>
+        <p:style>
+          <a:lnRef idx="1">
+            <a:schemeClr val="accent1"/>
+          </a:lnRef>
+          <a:fillRef idx="0">
+            <a:schemeClr val="accent1"/>
+          </a:fillRef>
+          <a:effectRef idx="0">
+            <a:schemeClr val="accent1"/>
+          </a:effectRef>
+          <a:fontRef idx="minor">
+            <a:schemeClr val="tx1"/>
+          </a:fontRef>
+        </p:style>
+      </p:cxnSp>
+      <p:sp>
+        <p:nvSpPr>
+          <p:cNvPr id="38" name="Suorakulmio 42"/>
+          <p:cNvSpPr/>
+          <p:nvPr/>
+        </p:nvSpPr>
+        <p:spPr>
+          <a:xfrm>
+            <a:off x="7241167" y="2388781"/>
+            <a:ext cx="1678665" cy="830997"/>
+          </a:xfrm>
+          <a:prstGeom prst="rect">
+            <a:avLst/>
+          </a:prstGeom>
+          <a:solidFill>
+            <a:schemeClr val="accent2">
+              <a:lumMod val="75000"/>
+            </a:schemeClr>
+          </a:solidFill>
+        </p:spPr>
+        <p:txBody>
+          <a:bodyPr wrap="none">
+            <a:spAutoFit/>
+          </a:bodyPr>
+          <a:lstStyle/>
+          <a:p>
+            <a:r>
+              <a:rPr lang="fi-FI" sz="1600" dirty="0">
+                <a:latin typeface="Arial" charset="0"/>
+              </a:rPr>
+              <a:t>Lähtee keskeltä,</a:t>
+            </a:r>
+          </a:p>
+          <a:p>
+            <a:r>
+              <a:rPr lang="fi-FI" sz="1600" dirty="0">
+                <a:latin typeface="Arial" charset="0"/>
+              </a:rPr>
+              <a:t>nokka kohti </a:t>
+            </a:r>
+          </a:p>
+          <a:p>
+            <a:r>
+              <a:rPr lang="fi-FI" sz="1600" dirty="0">
+                <a:latin typeface="Arial" charset="0"/>
+              </a:rPr>
+              <a:t>yläreunaa</a:t>
+            </a:r>
+            <a:endParaRPr lang="fi-FI" sz="1600" dirty="0"/>
+          </a:p>
+        </p:txBody>
+      </p:sp>
+      <p:sp>
+        <p:nvSpPr>
+          <p:cNvPr id="40" name="Suorakulmio 42"/>
+          <p:cNvSpPr/>
+          <p:nvPr/>
+        </p:nvSpPr>
+        <p:spPr>
+          <a:xfrm>
+            <a:off x="7241729" y="3319537"/>
+            <a:ext cx="1824538" cy="584775"/>
+          </a:xfrm>
+          <a:prstGeom prst="rect">
+            <a:avLst/>
+          </a:prstGeom>
+          <a:solidFill>
+            <a:schemeClr val="accent2">
+              <a:lumMod val="75000"/>
+            </a:schemeClr>
+          </a:solidFill>
+        </p:spPr>
+        <p:txBody>
+          <a:bodyPr wrap="none">
+            <a:spAutoFit/>
+          </a:bodyPr>
+          <a:lstStyle/>
+          <a:p>
+            <a:r>
+              <a:rPr lang="fi-FI" sz="1600" dirty="0">
+                <a:latin typeface="Arial" charset="0"/>
+              </a:rPr>
+              <a:t>Kynä alhaalla,</a:t>
+            </a:r>
+          </a:p>
+          <a:p>
+            <a:r>
+              <a:rPr lang="fi-FI" sz="1600" dirty="0">
+                <a:latin typeface="Arial" charset="0"/>
+              </a:rPr>
+              <a:t>kynän väri sininen</a:t>
+            </a:r>
+            <a:endParaRPr lang="fi-FI" sz="1600" dirty="0"/>
+          </a:p>
+        </p:txBody>
+      </p:sp>
+      <p:cxnSp>
+        <p:nvCxnSpPr>
+          <p:cNvPr id="42" name="Straight Arrow Connector 41"/>
+          <p:cNvCxnSpPr>
+            <a:stCxn id="40" idx="1"/>
+          </p:cNvCxnSpPr>
+          <p:nvPr/>
+        </p:nvCxnSpPr>
+        <p:spPr>
+          <a:xfrm flipH="1" flipV="1">
+            <a:off x="6363483" y="3284215"/>
+            <a:ext cx="878246" cy="327710"/>
+          </a:xfrm>
+          <a:prstGeom prst="straightConnector1">
+            <a:avLst/>
+          </a:prstGeom>
+          <a:ln>
+            <a:tailEnd type="triangle"/>
+          </a:ln>
+        </p:spPr>
+        <p:style>
+          <a:lnRef idx="1">
+            <a:schemeClr val="accent1"/>
+          </a:lnRef>
+          <a:fillRef idx="0">
+            <a:schemeClr val="accent1"/>
+          </a:fillRef>
+          <a:effectRef idx="0">
+            <a:schemeClr val="accent1"/>
+          </a:effectRef>
+          <a:fontRef idx="minor">
+            <a:schemeClr val="tx1"/>
+          </a:fontRef>
+        </p:style>
+      </p:cxnSp>
+    </p:spTree>
+    <p:extLst>
+      <p:ext uri="{BB962C8B-B14F-4D97-AF65-F5344CB8AC3E}">
+        <p14:creationId xmlns:p14="http://schemas.microsoft.com/office/powerpoint/2010/main" val="178556185"/>
+      </p:ext>
+    </p:extLst>
+  </p:cSld>
+  <p:clrMapOvr>
+    <a:masterClrMapping/>
+  </p:clrMapOvr>
+</p:sld>
+</file>
+
 <file path=ppt/slides/slide2.xml><?xml version="1.0" encoding="utf-8"?>
 <p:sld xmlns:a="http://schemas.openxmlformats.org/drawingml/2006/main" xmlns:r="http://schemas.openxmlformats.org/officeDocument/2006/relationships" xmlns:p="http://schemas.openxmlformats.org/presentationml/2006/main">
   <p:cSld>
@@ -8641,339 +9619,31 @@
       </p:grpSpPr>
       <p:pic>
         <p:nvPicPr>
-          <p:cNvPr id="3" name="Picture 8" descr="https://avatars0.githubusercontent.com/u/232371?v=3&amp;s=400"/>
+          <p:cNvPr id="4" name="Picture 3"/>
           <p:cNvPicPr>
-            <a:picLocks noChangeAspect="1" noChangeArrowheads="1"/>
+            <a:picLocks noChangeAspect="1"/>
           </p:cNvPicPr>
           <p:nvPr/>
         </p:nvPicPr>
         <p:blipFill>
-          <a:blip r:embed="rId2" cstate="print">
-            <a:extLst>
-              <a:ext uri="{28A0092B-C50C-407E-A947-70E740481C1C}">
-                <a14:useLocalDpi xmlns:a14="http://schemas.microsoft.com/office/drawing/2010/main" val="0"/>
-              </a:ext>
-            </a:extLst>
-          </a:blip>
-          <a:srcRect/>
+          <a:blip r:embed="rId2"/>
           <a:stretch>
             <a:fillRect/>
           </a:stretch>
         </p:blipFill>
-        <p:spPr bwMode="auto">
+        <p:spPr>
           <a:xfrm>
-            <a:off x="405542" y="5262205"/>
-            <a:ext cx="1254667" cy="1254668"/>
+            <a:off x="847231" y="2424602"/>
+            <a:ext cx="3714750" cy="1647825"/>
           </a:xfrm>
           <a:prstGeom prst="rect">
             <a:avLst/>
           </a:prstGeom>
-          <a:noFill/>
-          <a:ln>
-            <a:noFill/>
-          </a:ln>
-          <a:extLst>
-            <a:ext uri="{909E8E84-426E-40DD-AFC4-6F175D3DCCD1}">
-              <a14:hiddenFill xmlns:a14="http://schemas.microsoft.com/office/drawing/2010/main">
-                <a:solidFill>
-                  <a:srgbClr val="FFFFFF"/>
-                </a:solidFill>
-              </a14:hiddenFill>
-            </a:ext>
-            <a:ext uri="{91240B29-F687-4F45-9708-019B960494DF}">
-              <a14:hiddenLine xmlns:a14="http://schemas.microsoft.com/office/drawing/2010/main" w="9525">
-                <a:solidFill>
-                  <a:srgbClr val="000000"/>
-                </a:solidFill>
-                <a:miter lim="800000"/>
-                <a:headEnd/>
-                <a:tailEnd/>
-              </a14:hiddenLine>
-            </a:ext>
-          </a:extLst>
         </p:spPr>
       </p:pic>
-      <p:sp>
-        <p:nvSpPr>
-          <p:cNvPr id="10" name="Otsikko 1"/>
-          <p:cNvSpPr txBox="1">
-            <a:spLocks/>
-          </p:cNvSpPr>
-          <p:nvPr/>
-        </p:nvSpPr>
-        <p:spPr bwMode="auto">
-          <a:xfrm>
-            <a:off x="353192" y="752966"/>
-            <a:ext cx="5947000" cy="599694"/>
-          </a:xfrm>
-          <a:prstGeom prst="rect">
-            <a:avLst/>
-          </a:prstGeom>
-          <a:noFill/>
-          <a:ln>
-            <a:noFill/>
-          </a:ln>
-          <a:extLst>
-            <a:ext uri="{909E8E84-426E-40DD-AFC4-6F175D3DCCD1}">
-              <a14:hiddenFill xmlns:a14="http://schemas.microsoft.com/office/drawing/2010/main">
-                <a:solidFill>
-                  <a:srgbClr val="FFFFFF"/>
-                </a:solidFill>
-              </a14:hiddenFill>
-            </a:ext>
-            <a:ext uri="{91240B29-F687-4F45-9708-019B960494DF}">
-              <a14:hiddenLine xmlns:a14="http://schemas.microsoft.com/office/drawing/2010/main" w="9525">
-                <a:solidFill>
-                  <a:srgbClr val="000000"/>
-                </a:solidFill>
-                <a:round/>
-                <a:headEnd/>
-                <a:tailEnd/>
-              </a14:hiddenLine>
-            </a:ext>
-          </a:extLst>
-        </p:spPr>
-        <p:txBody>
-          <a:bodyPr vert="horz" wrap="square" lIns="90000" tIns="46800" rIns="90000" bIns="46800" numCol="1" anchor="ctr" anchorCtr="0" compatLnSpc="1">
-            <a:prstTxWarp prst="textNoShape">
-              <a:avLst/>
-            </a:prstTxWarp>
-          </a:bodyPr>
-          <a:lstStyle>
-            <a:lvl1pPr algn="ctr" defTabSz="449263" rtl="0" eaLnBrk="0" fontAlgn="base" hangingPunct="0">
-              <a:spcBef>
-                <a:spcPct val="0"/>
-              </a:spcBef>
-              <a:spcAft>
-                <a:spcPct val="0"/>
-              </a:spcAft>
-              <a:buClr>
-                <a:srgbClr val="000000"/>
-              </a:buClr>
-              <a:buSzPct val="100000"/>
-              <a:buFont typeface="Times New Roman" panose="02020603050405020304" pitchFamily="18" charset="0"/>
-              <a:defRPr sz="4400">
-                <a:solidFill>
-                  <a:srgbClr val="000000"/>
-                </a:solidFill>
-                <a:latin typeface="+mj-lt"/>
-                <a:ea typeface="+mj-ea"/>
-                <a:cs typeface="+mj-cs"/>
-              </a:defRPr>
-            </a:lvl1pPr>
-            <a:lvl2pPr algn="ctr" defTabSz="449263" rtl="0" eaLnBrk="0" fontAlgn="base" hangingPunct="0">
-              <a:spcBef>
-                <a:spcPct val="0"/>
-              </a:spcBef>
-              <a:spcAft>
-                <a:spcPct val="0"/>
-              </a:spcAft>
-              <a:buClr>
-                <a:srgbClr val="000000"/>
-              </a:buClr>
-              <a:buSzPct val="100000"/>
-              <a:buFont typeface="Times New Roman" panose="02020603050405020304" pitchFamily="18" charset="0"/>
-              <a:defRPr sz="4400">
-                <a:solidFill>
-                  <a:srgbClr val="000000"/>
-                </a:solidFill>
-                <a:latin typeface="Arial" charset="0"/>
-                <a:ea typeface="AR PL Mingti2L Big5" charset="0"/>
-                <a:cs typeface="AR PL Mingti2L Big5" charset="0"/>
-              </a:defRPr>
-            </a:lvl2pPr>
-            <a:lvl3pPr algn="ctr" defTabSz="449263" rtl="0" eaLnBrk="0" fontAlgn="base" hangingPunct="0">
-              <a:spcBef>
-                <a:spcPct val="0"/>
-              </a:spcBef>
-              <a:spcAft>
-                <a:spcPct val="0"/>
-              </a:spcAft>
-              <a:buClr>
-                <a:srgbClr val="000000"/>
-              </a:buClr>
-              <a:buSzPct val="100000"/>
-              <a:buFont typeface="Times New Roman" panose="02020603050405020304" pitchFamily="18" charset="0"/>
-              <a:defRPr sz="4400">
-                <a:solidFill>
-                  <a:srgbClr val="000000"/>
-                </a:solidFill>
-                <a:latin typeface="Arial" charset="0"/>
-                <a:ea typeface="AR PL Mingti2L Big5" charset="0"/>
-                <a:cs typeface="AR PL Mingti2L Big5" charset="0"/>
-              </a:defRPr>
-            </a:lvl3pPr>
-            <a:lvl4pPr algn="ctr" defTabSz="449263" rtl="0" eaLnBrk="0" fontAlgn="base" hangingPunct="0">
-              <a:spcBef>
-                <a:spcPct val="0"/>
-              </a:spcBef>
-              <a:spcAft>
-                <a:spcPct val="0"/>
-              </a:spcAft>
-              <a:buClr>
-                <a:srgbClr val="000000"/>
-              </a:buClr>
-              <a:buSzPct val="100000"/>
-              <a:buFont typeface="Times New Roman" panose="02020603050405020304" pitchFamily="18" charset="0"/>
-              <a:defRPr sz="4400">
-                <a:solidFill>
-                  <a:srgbClr val="000000"/>
-                </a:solidFill>
-                <a:latin typeface="Arial" charset="0"/>
-                <a:ea typeface="AR PL Mingti2L Big5" charset="0"/>
-                <a:cs typeface="AR PL Mingti2L Big5" charset="0"/>
-              </a:defRPr>
-            </a:lvl4pPr>
-            <a:lvl5pPr algn="ctr" defTabSz="449263" rtl="0" eaLnBrk="0" fontAlgn="base" hangingPunct="0">
-              <a:spcBef>
-                <a:spcPct val="0"/>
-              </a:spcBef>
-              <a:spcAft>
-                <a:spcPct val="0"/>
-              </a:spcAft>
-              <a:buClr>
-                <a:srgbClr val="000000"/>
-              </a:buClr>
-              <a:buSzPct val="100000"/>
-              <a:buFont typeface="Times New Roman" panose="02020603050405020304" pitchFamily="18" charset="0"/>
-              <a:defRPr sz="4400">
-                <a:solidFill>
-                  <a:srgbClr val="000000"/>
-                </a:solidFill>
-                <a:latin typeface="Arial" charset="0"/>
-                <a:ea typeface="AR PL Mingti2L Big5" charset="0"/>
-                <a:cs typeface="AR PL Mingti2L Big5" charset="0"/>
-              </a:defRPr>
-            </a:lvl5pPr>
-            <a:lvl6pPr marL="2514600" indent="-228600" algn="ctr" defTabSz="449263" rtl="0" fontAlgn="base">
-              <a:spcBef>
-                <a:spcPct val="0"/>
-              </a:spcBef>
-              <a:spcAft>
-                <a:spcPct val="0"/>
-              </a:spcAft>
-              <a:buClr>
-                <a:srgbClr val="000000"/>
-              </a:buClr>
-              <a:buSzPct val="100000"/>
-              <a:buFont typeface="Times New Roman" pitchFamily="16" charset="0"/>
-              <a:defRPr sz="4400">
-                <a:solidFill>
-                  <a:srgbClr val="000000"/>
-                </a:solidFill>
-                <a:latin typeface="Arial" charset="0"/>
-                <a:ea typeface="AR PL Mingti2L Big5" charset="0"/>
-                <a:cs typeface="AR PL Mingti2L Big5" charset="0"/>
-              </a:defRPr>
-            </a:lvl6pPr>
-            <a:lvl7pPr marL="2971800" indent="-228600" algn="ctr" defTabSz="449263" rtl="0" fontAlgn="base">
-              <a:spcBef>
-                <a:spcPct val="0"/>
-              </a:spcBef>
-              <a:spcAft>
-                <a:spcPct val="0"/>
-              </a:spcAft>
-              <a:buClr>
-                <a:srgbClr val="000000"/>
-              </a:buClr>
-              <a:buSzPct val="100000"/>
-              <a:buFont typeface="Times New Roman" pitchFamily="16" charset="0"/>
-              <a:defRPr sz="4400">
-                <a:solidFill>
-                  <a:srgbClr val="000000"/>
-                </a:solidFill>
-                <a:latin typeface="Arial" charset="0"/>
-                <a:ea typeface="AR PL Mingti2L Big5" charset="0"/>
-                <a:cs typeface="AR PL Mingti2L Big5" charset="0"/>
-              </a:defRPr>
-            </a:lvl7pPr>
-            <a:lvl8pPr marL="3429000" indent="-228600" algn="ctr" defTabSz="449263" rtl="0" fontAlgn="base">
-              <a:spcBef>
-                <a:spcPct val="0"/>
-              </a:spcBef>
-              <a:spcAft>
-                <a:spcPct val="0"/>
-              </a:spcAft>
-              <a:buClr>
-                <a:srgbClr val="000000"/>
-              </a:buClr>
-              <a:buSzPct val="100000"/>
-              <a:buFont typeface="Times New Roman" pitchFamily="16" charset="0"/>
-              <a:defRPr sz="4400">
-                <a:solidFill>
-                  <a:srgbClr val="000000"/>
-                </a:solidFill>
-                <a:latin typeface="Arial" charset="0"/>
-                <a:ea typeface="AR PL Mingti2L Big5" charset="0"/>
-                <a:cs typeface="AR PL Mingti2L Big5" charset="0"/>
-              </a:defRPr>
-            </a:lvl8pPr>
-            <a:lvl9pPr marL="3886200" indent="-228600" algn="ctr" defTabSz="449263" rtl="0" fontAlgn="base">
-              <a:spcBef>
-                <a:spcPct val="0"/>
-              </a:spcBef>
-              <a:spcAft>
-                <a:spcPct val="0"/>
-              </a:spcAft>
-              <a:buClr>
-                <a:srgbClr val="000000"/>
-              </a:buClr>
-              <a:buSzPct val="100000"/>
-              <a:buFont typeface="Times New Roman" pitchFamily="16" charset="0"/>
-              <a:defRPr sz="4400">
-                <a:solidFill>
-                  <a:srgbClr val="000000"/>
-                </a:solidFill>
-                <a:latin typeface="Arial" charset="0"/>
-                <a:ea typeface="AR PL Mingti2L Big5" charset="0"/>
-                <a:cs typeface="AR PL Mingti2L Big5" charset="0"/>
-              </a:defRPr>
-            </a:lvl9pPr>
-          </a:lstStyle>
-          <a:p>
-            <a:pPr algn="l"/>
-            <a:r>
-              <a:rPr lang="fi-FI" altLang="fi-FI" sz="4000" b="1" kern="0" dirty="0">
-                <a:solidFill>
-                  <a:schemeClr val="accent6">
-                    <a:lumMod val="75000"/>
-                  </a:schemeClr>
-                </a:solidFill>
-              </a:rPr>
-              <a:t>Tutustutaan Turtleen</a:t>
-            </a:r>
-          </a:p>
-        </p:txBody>
-      </p:sp>
-      <p:sp>
-        <p:nvSpPr>
-          <p:cNvPr id="17" name="Alatunnisteen paikkamerkki 16"/>
-          <p:cNvSpPr>
-            <a:spLocks noGrp="1"/>
-          </p:cNvSpPr>
-          <p:nvPr>
-            <p:ph type="ftr" sz="quarter" idx="11"/>
-          </p:nvPr>
-        </p:nvSpPr>
-        <p:spPr/>
-        <p:txBody>
-          <a:bodyPr/>
-          <a:lstStyle/>
-          <a:p>
-            <a:pPr algn="r">
-              <a:defRPr/>
-            </a:pPr>
-            <a:r>
-              <a:rPr lang="fi-FI" dirty="0"/>
-              <a:t>MAOL Ohjelmointia matematiikkaan</a:t>
-            </a:r>
-            <a:endParaRPr lang="ru-RU" dirty="0"/>
-          </a:p>
-        </p:txBody>
-      </p:sp>
       <p:pic>
         <p:nvPicPr>
-          <p:cNvPr id="33" name="Picture 2" descr="WeScheme Logo"/>
+          <p:cNvPr id="3" name="Picture 8" descr="https://avatars0.githubusercontent.com/u/232371?v=3&amp;s=400"/>
           <p:cNvPicPr>
             <a:picLocks noChangeAspect="1" noChangeArrowheads="1"/>
           </p:cNvPicPr>
@@ -8994,6 +9664,338 @@
         </p:blipFill>
         <p:spPr bwMode="auto">
           <a:xfrm>
+            <a:off x="405542" y="5262205"/>
+            <a:ext cx="1254667" cy="1254668"/>
+          </a:xfrm>
+          <a:prstGeom prst="rect">
+            <a:avLst/>
+          </a:prstGeom>
+          <a:noFill/>
+          <a:ln>
+            <a:noFill/>
+          </a:ln>
+          <a:extLst>
+            <a:ext uri="{909E8E84-426E-40DD-AFC4-6F175D3DCCD1}">
+              <a14:hiddenFill xmlns:a14="http://schemas.microsoft.com/office/drawing/2010/main">
+                <a:solidFill>
+                  <a:srgbClr val="FFFFFF"/>
+                </a:solidFill>
+              </a14:hiddenFill>
+            </a:ext>
+            <a:ext uri="{91240B29-F687-4F45-9708-019B960494DF}">
+              <a14:hiddenLine xmlns:a14="http://schemas.microsoft.com/office/drawing/2010/main" w="9525">
+                <a:solidFill>
+                  <a:srgbClr val="000000"/>
+                </a:solidFill>
+                <a:miter lim="800000"/>
+                <a:headEnd/>
+                <a:tailEnd/>
+              </a14:hiddenLine>
+            </a:ext>
+          </a:extLst>
+        </p:spPr>
+      </p:pic>
+      <p:sp>
+        <p:nvSpPr>
+          <p:cNvPr id="10" name="Otsikko 1"/>
+          <p:cNvSpPr txBox="1">
+            <a:spLocks/>
+          </p:cNvSpPr>
+          <p:nvPr/>
+        </p:nvSpPr>
+        <p:spPr bwMode="auto">
+          <a:xfrm>
+            <a:off x="353192" y="752966"/>
+            <a:ext cx="5947000" cy="599694"/>
+          </a:xfrm>
+          <a:prstGeom prst="rect">
+            <a:avLst/>
+          </a:prstGeom>
+          <a:noFill/>
+          <a:ln>
+            <a:noFill/>
+          </a:ln>
+          <a:extLst>
+            <a:ext uri="{909E8E84-426E-40DD-AFC4-6F175D3DCCD1}">
+              <a14:hiddenFill xmlns:a14="http://schemas.microsoft.com/office/drawing/2010/main">
+                <a:solidFill>
+                  <a:srgbClr val="FFFFFF"/>
+                </a:solidFill>
+              </a14:hiddenFill>
+            </a:ext>
+            <a:ext uri="{91240B29-F687-4F45-9708-019B960494DF}">
+              <a14:hiddenLine xmlns:a14="http://schemas.microsoft.com/office/drawing/2010/main" w="9525">
+                <a:solidFill>
+                  <a:srgbClr val="000000"/>
+                </a:solidFill>
+                <a:round/>
+                <a:headEnd/>
+                <a:tailEnd/>
+              </a14:hiddenLine>
+            </a:ext>
+          </a:extLst>
+        </p:spPr>
+        <p:txBody>
+          <a:bodyPr vert="horz" wrap="square" lIns="90000" tIns="46800" rIns="90000" bIns="46800" numCol="1" anchor="ctr" anchorCtr="0" compatLnSpc="1">
+            <a:prstTxWarp prst="textNoShape">
+              <a:avLst/>
+            </a:prstTxWarp>
+          </a:bodyPr>
+          <a:lstStyle>
+            <a:lvl1pPr algn="ctr" defTabSz="449263" rtl="0" eaLnBrk="0" fontAlgn="base" hangingPunct="0">
+              <a:spcBef>
+                <a:spcPct val="0"/>
+              </a:spcBef>
+              <a:spcAft>
+                <a:spcPct val="0"/>
+              </a:spcAft>
+              <a:buClr>
+                <a:srgbClr val="000000"/>
+              </a:buClr>
+              <a:buSzPct val="100000"/>
+              <a:buFont typeface="Times New Roman" panose="02020603050405020304" pitchFamily="18" charset="0"/>
+              <a:defRPr sz="4400">
+                <a:solidFill>
+                  <a:srgbClr val="000000"/>
+                </a:solidFill>
+                <a:latin typeface="+mj-lt"/>
+                <a:ea typeface="+mj-ea"/>
+                <a:cs typeface="+mj-cs"/>
+              </a:defRPr>
+            </a:lvl1pPr>
+            <a:lvl2pPr algn="ctr" defTabSz="449263" rtl="0" eaLnBrk="0" fontAlgn="base" hangingPunct="0">
+              <a:spcBef>
+                <a:spcPct val="0"/>
+              </a:spcBef>
+              <a:spcAft>
+                <a:spcPct val="0"/>
+              </a:spcAft>
+              <a:buClr>
+                <a:srgbClr val="000000"/>
+              </a:buClr>
+              <a:buSzPct val="100000"/>
+              <a:buFont typeface="Times New Roman" panose="02020603050405020304" pitchFamily="18" charset="0"/>
+              <a:defRPr sz="4400">
+                <a:solidFill>
+                  <a:srgbClr val="000000"/>
+                </a:solidFill>
+                <a:latin typeface="Arial" charset="0"/>
+                <a:ea typeface="AR PL Mingti2L Big5" charset="0"/>
+                <a:cs typeface="AR PL Mingti2L Big5" charset="0"/>
+              </a:defRPr>
+            </a:lvl2pPr>
+            <a:lvl3pPr algn="ctr" defTabSz="449263" rtl="0" eaLnBrk="0" fontAlgn="base" hangingPunct="0">
+              <a:spcBef>
+                <a:spcPct val="0"/>
+              </a:spcBef>
+              <a:spcAft>
+                <a:spcPct val="0"/>
+              </a:spcAft>
+              <a:buClr>
+                <a:srgbClr val="000000"/>
+              </a:buClr>
+              <a:buSzPct val="100000"/>
+              <a:buFont typeface="Times New Roman" panose="02020603050405020304" pitchFamily="18" charset="0"/>
+              <a:defRPr sz="4400">
+                <a:solidFill>
+                  <a:srgbClr val="000000"/>
+                </a:solidFill>
+                <a:latin typeface="Arial" charset="0"/>
+                <a:ea typeface="AR PL Mingti2L Big5" charset="0"/>
+                <a:cs typeface="AR PL Mingti2L Big5" charset="0"/>
+              </a:defRPr>
+            </a:lvl3pPr>
+            <a:lvl4pPr algn="ctr" defTabSz="449263" rtl="0" eaLnBrk="0" fontAlgn="base" hangingPunct="0">
+              <a:spcBef>
+                <a:spcPct val="0"/>
+              </a:spcBef>
+              <a:spcAft>
+                <a:spcPct val="0"/>
+              </a:spcAft>
+              <a:buClr>
+                <a:srgbClr val="000000"/>
+              </a:buClr>
+              <a:buSzPct val="100000"/>
+              <a:buFont typeface="Times New Roman" panose="02020603050405020304" pitchFamily="18" charset="0"/>
+              <a:defRPr sz="4400">
+                <a:solidFill>
+                  <a:srgbClr val="000000"/>
+                </a:solidFill>
+                <a:latin typeface="Arial" charset="0"/>
+                <a:ea typeface="AR PL Mingti2L Big5" charset="0"/>
+                <a:cs typeface="AR PL Mingti2L Big5" charset="0"/>
+              </a:defRPr>
+            </a:lvl4pPr>
+            <a:lvl5pPr algn="ctr" defTabSz="449263" rtl="0" eaLnBrk="0" fontAlgn="base" hangingPunct="0">
+              <a:spcBef>
+                <a:spcPct val="0"/>
+              </a:spcBef>
+              <a:spcAft>
+                <a:spcPct val="0"/>
+              </a:spcAft>
+              <a:buClr>
+                <a:srgbClr val="000000"/>
+              </a:buClr>
+              <a:buSzPct val="100000"/>
+              <a:buFont typeface="Times New Roman" panose="02020603050405020304" pitchFamily="18" charset="0"/>
+              <a:defRPr sz="4400">
+                <a:solidFill>
+                  <a:srgbClr val="000000"/>
+                </a:solidFill>
+                <a:latin typeface="Arial" charset="0"/>
+                <a:ea typeface="AR PL Mingti2L Big5" charset="0"/>
+                <a:cs typeface="AR PL Mingti2L Big5" charset="0"/>
+              </a:defRPr>
+            </a:lvl5pPr>
+            <a:lvl6pPr marL="2514600" indent="-228600" algn="ctr" defTabSz="449263" rtl="0" fontAlgn="base">
+              <a:spcBef>
+                <a:spcPct val="0"/>
+              </a:spcBef>
+              <a:spcAft>
+                <a:spcPct val="0"/>
+              </a:spcAft>
+              <a:buClr>
+                <a:srgbClr val="000000"/>
+              </a:buClr>
+              <a:buSzPct val="100000"/>
+              <a:buFont typeface="Times New Roman" pitchFamily="16" charset="0"/>
+              <a:defRPr sz="4400">
+                <a:solidFill>
+                  <a:srgbClr val="000000"/>
+                </a:solidFill>
+                <a:latin typeface="Arial" charset="0"/>
+                <a:ea typeface="AR PL Mingti2L Big5" charset="0"/>
+                <a:cs typeface="AR PL Mingti2L Big5" charset="0"/>
+              </a:defRPr>
+            </a:lvl6pPr>
+            <a:lvl7pPr marL="2971800" indent="-228600" algn="ctr" defTabSz="449263" rtl="0" fontAlgn="base">
+              <a:spcBef>
+                <a:spcPct val="0"/>
+              </a:spcBef>
+              <a:spcAft>
+                <a:spcPct val="0"/>
+              </a:spcAft>
+              <a:buClr>
+                <a:srgbClr val="000000"/>
+              </a:buClr>
+              <a:buSzPct val="100000"/>
+              <a:buFont typeface="Times New Roman" pitchFamily="16" charset="0"/>
+              <a:defRPr sz="4400">
+                <a:solidFill>
+                  <a:srgbClr val="000000"/>
+                </a:solidFill>
+                <a:latin typeface="Arial" charset="0"/>
+                <a:ea typeface="AR PL Mingti2L Big5" charset="0"/>
+                <a:cs typeface="AR PL Mingti2L Big5" charset="0"/>
+              </a:defRPr>
+            </a:lvl7pPr>
+            <a:lvl8pPr marL="3429000" indent="-228600" algn="ctr" defTabSz="449263" rtl="0" fontAlgn="base">
+              <a:spcBef>
+                <a:spcPct val="0"/>
+              </a:spcBef>
+              <a:spcAft>
+                <a:spcPct val="0"/>
+              </a:spcAft>
+              <a:buClr>
+                <a:srgbClr val="000000"/>
+              </a:buClr>
+              <a:buSzPct val="100000"/>
+              <a:buFont typeface="Times New Roman" pitchFamily="16" charset="0"/>
+              <a:defRPr sz="4400">
+                <a:solidFill>
+                  <a:srgbClr val="000000"/>
+                </a:solidFill>
+                <a:latin typeface="Arial" charset="0"/>
+                <a:ea typeface="AR PL Mingti2L Big5" charset="0"/>
+                <a:cs typeface="AR PL Mingti2L Big5" charset="0"/>
+              </a:defRPr>
+            </a:lvl8pPr>
+            <a:lvl9pPr marL="3886200" indent="-228600" algn="ctr" defTabSz="449263" rtl="0" fontAlgn="base">
+              <a:spcBef>
+                <a:spcPct val="0"/>
+              </a:spcBef>
+              <a:spcAft>
+                <a:spcPct val="0"/>
+              </a:spcAft>
+              <a:buClr>
+                <a:srgbClr val="000000"/>
+              </a:buClr>
+              <a:buSzPct val="100000"/>
+              <a:buFont typeface="Times New Roman" pitchFamily="16" charset="0"/>
+              <a:defRPr sz="4400">
+                <a:solidFill>
+                  <a:srgbClr val="000000"/>
+                </a:solidFill>
+                <a:latin typeface="Arial" charset="0"/>
+                <a:ea typeface="AR PL Mingti2L Big5" charset="0"/>
+                <a:cs typeface="AR PL Mingti2L Big5" charset="0"/>
+              </a:defRPr>
+            </a:lvl9pPr>
+          </a:lstStyle>
+          <a:p>
+            <a:pPr algn="l"/>
+            <a:r>
+              <a:rPr lang="fi-FI" altLang="fi-FI" sz="4000" b="1" kern="0" dirty="0">
+                <a:solidFill>
+                  <a:schemeClr val="accent6">
+                    <a:lumMod val="75000"/>
+                  </a:schemeClr>
+                </a:solidFill>
+              </a:rPr>
+              <a:t>Tutustutaan Turtleen</a:t>
+            </a:r>
+          </a:p>
+        </p:txBody>
+      </p:sp>
+      <p:sp>
+        <p:nvSpPr>
+          <p:cNvPr id="17" name="Alatunnisteen paikkamerkki 16"/>
+          <p:cNvSpPr>
+            <a:spLocks noGrp="1"/>
+          </p:cNvSpPr>
+          <p:nvPr>
+            <p:ph type="ftr" sz="quarter" idx="11"/>
+          </p:nvPr>
+        </p:nvSpPr>
+        <p:spPr/>
+        <p:txBody>
+          <a:bodyPr/>
+          <a:lstStyle/>
+          <a:p>
+            <a:pPr algn="r">
+              <a:defRPr/>
+            </a:pPr>
+            <a:r>
+              <a:rPr lang="fi-FI" dirty="0"/>
+              <a:t>MAOL Ohjelmointia matematiikkaan</a:t>
+            </a:r>
+            <a:endParaRPr lang="ru-RU" dirty="0"/>
+          </a:p>
+        </p:txBody>
+      </p:sp>
+      <p:pic>
+        <p:nvPicPr>
+          <p:cNvPr id="33" name="Picture 2" descr="WeScheme Logo"/>
+          <p:cNvPicPr>
+            <a:picLocks noChangeAspect="1" noChangeArrowheads="1"/>
+          </p:cNvPicPr>
+          <p:nvPr/>
+        </p:nvPicPr>
+        <p:blipFill>
+          <a:blip r:embed="rId4" cstate="print">
+            <a:extLst>
+              <a:ext uri="{28A0092B-C50C-407E-A947-70E740481C1C}">
+                <a14:useLocalDpi xmlns:a14="http://schemas.microsoft.com/office/drawing/2010/main" val="0"/>
+              </a:ext>
+            </a:extLst>
+          </a:blip>
+          <a:srcRect/>
+          <a:stretch>
+            <a:fillRect/>
+          </a:stretch>
+        </p:blipFill>
+        <p:spPr bwMode="auto">
+          <a:xfrm>
             <a:off x="7163754" y="5133041"/>
             <a:ext cx="1495802" cy="1383832"/>
           </a:xfrm>
@@ -9040,7 +10042,7 @@
         </p:nvSpPr>
         <p:spPr>
           <a:xfrm>
-            <a:off x="4447607" y="3244334"/>
+            <a:off x="4519882" y="3970875"/>
             <a:ext cx="248786" cy="369332"/>
           </a:xfrm>
           <a:prstGeom prst="rect">
@@ -9069,7 +10071,7 @@
           <p:nvPr/>
         </p:nvPicPr>
         <p:blipFill>
-          <a:blip r:embed="rId4">
+          <a:blip r:embed="rId5">
             <a:extLst>
               <a:ext uri="{28A0092B-C50C-407E-A947-70E740481C1C}">
                 <a14:useLocalDpi xmlns:a14="http://schemas.microsoft.com/office/drawing/2010/main" val="0"/>
@@ -9098,7 +10100,7 @@
         </p:nvSpPr>
         <p:spPr>
           <a:xfrm>
-            <a:off x="323528" y="1790666"/>
+            <a:off x="634043" y="1634976"/>
             <a:ext cx="867545" cy="338554"/>
           </a:xfrm>
           <a:prstGeom prst="rect">
@@ -9136,7 +10138,7 @@
         </p:nvCxnSpPr>
         <p:spPr>
           <a:xfrm>
-            <a:off x="757301" y="2129220"/>
+            <a:off x="1067816" y="1973530"/>
             <a:ext cx="214299" cy="428838"/>
           </a:xfrm>
           <a:prstGeom prst="straightConnector1">
@@ -9161,30 +10163,6 @@
           </a:fontRef>
         </p:style>
       </p:cxnSp>
-      <p:pic>
-        <p:nvPicPr>
-          <p:cNvPr id="24" name="Picture 23"/>
-          <p:cNvPicPr>
-            <a:picLocks noChangeAspect="1"/>
-          </p:cNvPicPr>
-          <p:nvPr/>
-        </p:nvPicPr>
-        <p:blipFill>
-          <a:blip r:embed="rId5"/>
-          <a:stretch>
-            <a:fillRect/>
-          </a:stretch>
-        </p:blipFill>
-        <p:spPr>
-          <a:xfrm>
-            <a:off x="832705" y="2558058"/>
-            <a:ext cx="3923147" cy="1235342"/>
-          </a:xfrm>
-          <a:prstGeom prst="rect">
-            <a:avLst/>
-          </a:prstGeom>
-        </p:spPr>
-      </p:pic>
       <p:sp>
         <p:nvSpPr>
           <p:cNvPr id="29" name="Suorakulmio 42"/>
@@ -9193,7 +10171,7 @@
         </p:nvSpPr>
         <p:spPr>
           <a:xfrm>
-            <a:off x="343393" y="3934456"/>
+            <a:off x="415668" y="4660997"/>
             <a:ext cx="1324402" cy="338554"/>
           </a:xfrm>
           <a:prstGeom prst="rect">
@@ -9229,7 +10207,7 @@
         </p:nvCxnSpPr>
         <p:spPr>
           <a:xfrm flipV="1">
-            <a:off x="1005594" y="3284215"/>
+            <a:off x="1077869" y="4010756"/>
             <a:ext cx="185479" cy="650241"/>
           </a:xfrm>
           <a:prstGeom prst="straightConnector1">
@@ -9262,7 +10240,7 @@
         </p:nvSpPr>
         <p:spPr>
           <a:xfrm>
-            <a:off x="2254499" y="3943197"/>
+            <a:off x="2326774" y="4669738"/>
             <a:ext cx="1790875" cy="338554"/>
           </a:xfrm>
           <a:prstGeom prst="rect">
@@ -9298,7 +10276,7 @@
         </p:nvCxnSpPr>
         <p:spPr>
           <a:xfrm flipH="1" flipV="1">
-            <a:off x="1813416" y="3264533"/>
+            <a:off x="1885691" y="3991074"/>
             <a:ext cx="516580" cy="678664"/>
           </a:xfrm>
           <a:prstGeom prst="straightConnector1">
@@ -9490,7 +10468,7 @@
     </p:spTree>
     <p:extLst>
       <p:ext uri="{BB962C8B-B14F-4D97-AF65-F5344CB8AC3E}">
-        <p14:creationId xmlns:p14="http://schemas.microsoft.com/office/powerpoint/2010/main" val="178556185"/>
+        <p14:creationId xmlns:p14="http://schemas.microsoft.com/office/powerpoint/2010/main" val="2584341417"/>
       </p:ext>
     </p:extLst>
   </p:cSld>
@@ -14498,7 +15476,7 @@
 <file path=ppt/tags/tag1.xml><?xml version="1.0" encoding="utf-8"?>
 <p:tagLst xmlns:a="http://schemas.openxmlformats.org/drawingml/2006/main" xmlns:r="http://schemas.openxmlformats.org/officeDocument/2006/relationships" xmlns:p="http://schemas.openxmlformats.org/presentationml/2006/main">
   <p:tag name="MMPROD_NEXTUNIQUEID" val="10009"/>
-  <p:tag name="MMPROD_UIDATA" val="&lt;database version=&quot;10.0&quot;&gt;&lt;object type=&quot;1&quot; unique_id=&quot;10001&quot;&gt;&lt;object type=&quot;2&quot; unique_id=&quot;10002&quot;&gt;&lt;object type=&quot;3&quot; unique_id=&quot;10036&quot;&gt;&lt;property id=&quot;20148&quot; value=&quot;5&quot;/&gt;&lt;property id=&quot;20300&quot; value=&quot;Slide 5&quot;/&gt;&lt;property id=&quot;20307&quot; value=&quot;369&quot;/&gt;&lt;/object&gt;&lt;object type=&quot;3&quot; unique_id=&quot;10069&quot;&gt;&lt;property id=&quot;20148&quot; value=&quot;5&quot;/&gt;&lt;property id=&quot;20300&quot; value=&quot;Slide 2&quot;/&gt;&lt;property id=&quot;20307&quot; value=&quot;370&quot;/&gt;&lt;/object&gt;&lt;object type=&quot;3&quot; unique_id=&quot;10148&quot;&gt;&lt;property id=&quot;20148&quot; value=&quot;5&quot;/&gt;&lt;property id=&quot;20300&quot; value=&quot;Slide 8&quot;/&gt;&lt;property id=&quot;20307&quot; value=&quot;372&quot;/&gt;&lt;/object&gt;&lt;object type=&quot;3&quot; unique_id=&quot;10215&quot;&gt;&lt;property id=&quot;20148&quot; value=&quot;5&quot;/&gt;&lt;property id=&quot;20300&quot; value=&quot;Slide 1&quot;/&gt;&lt;property id=&quot;20307&quot; value=&quot;374&quot;/&gt;&lt;/object&gt;&lt;object type=&quot;3&quot; unique_id=&quot;10508&quot;&gt;&lt;property id=&quot;20148&quot; value=&quot;5&quot;/&gt;&lt;property id=&quot;20300&quot; value=&quot;Slide 3&quot;/&gt;&lt;property id=&quot;20307&quot; value=&quot;377&quot;/&gt;&lt;/object&gt;&lt;object type=&quot;3&quot; unique_id=&quot;10609&quot;&gt;&lt;property id=&quot;20148&quot; value=&quot;5&quot;/&gt;&lt;property id=&quot;20300&quot; value=&quot;Slide 6&quot;/&gt;&lt;property id=&quot;20307&quot; value=&quot;379&quot;/&gt;&lt;/object&gt;&lt;object type=&quot;3&quot; unique_id=&quot;10610&quot;&gt;&lt;property id=&quot;20148&quot; value=&quot;5&quot;/&gt;&lt;property id=&quot;20300&quot; value=&quot;Slide 7&quot;/&gt;&lt;property id=&quot;20307&quot; value=&quot;378&quot;/&gt;&lt;/object&gt;&lt;object type=&quot;3&quot; unique_id=&quot;10797&quot;&gt;&lt;property id=&quot;20148&quot; value=&quot;5&quot;/&gt;&lt;property id=&quot;20300&quot; value=&quot;Slide 4&quot;/&gt;&lt;property id=&quot;20307&quot; value=&quot;380&quot;/&gt;&lt;/object&gt;&lt;object type=&quot;3&quot; unique_id=&quot;10888&quot;&gt;&lt;property id=&quot;20148&quot; value=&quot;5&quot;/&gt;&lt;property id=&quot;20300&quot; value=&quot;Slide 9&quot;/&gt;&lt;property id=&quot;20307&quot; value=&quot;381&quot;/&gt;&lt;/object&gt;&lt;/object&gt;&lt;object type=&quot;8&quot; unique_id=&quot;10014&quot;&gt;&lt;/object&gt;&lt;/object&gt;&lt;/database&gt;"/>
+  <p:tag name="MMPROD_UIDATA" val="&lt;database version=&quot;10.0&quot;&gt;&lt;object type=&quot;1&quot; unique_id=&quot;10001&quot;&gt;&lt;object type=&quot;2&quot; unique_id=&quot;10002&quot;&gt;&lt;object type=&quot;3&quot; unique_id=&quot;10036&quot;&gt;&lt;property id=&quot;20148&quot; value=&quot;5&quot;/&gt;&lt;property id=&quot;20300&quot; value=&quot;Slide 5&quot;/&gt;&lt;property id=&quot;20307&quot; value=&quot;369&quot;/&gt;&lt;/object&gt;&lt;object type=&quot;3&quot; unique_id=&quot;10069&quot;&gt;&lt;property id=&quot;20148&quot; value=&quot;5&quot;/&gt;&lt;property id=&quot;20300&quot; value=&quot;Slide 2&quot;/&gt;&lt;property id=&quot;20307&quot; value=&quot;370&quot;/&gt;&lt;/object&gt;&lt;object type=&quot;3&quot; unique_id=&quot;10148&quot;&gt;&lt;property id=&quot;20148&quot; value=&quot;5&quot;/&gt;&lt;property id=&quot;20300&quot; value=&quot;Slide 8&quot;/&gt;&lt;property id=&quot;20307&quot; value=&quot;372&quot;/&gt;&lt;/object&gt;&lt;object type=&quot;3&quot; unique_id=&quot;10215&quot;&gt;&lt;property id=&quot;20148&quot; value=&quot;5&quot;/&gt;&lt;property id=&quot;20300&quot; value=&quot;Slide 1&quot;/&gt;&lt;property id=&quot;20307&quot; value=&quot;374&quot;/&gt;&lt;/object&gt;&lt;object type=&quot;3&quot; unique_id=&quot;10508&quot;&gt;&lt;property id=&quot;20148&quot; value=&quot;5&quot;/&gt;&lt;property id=&quot;20300&quot; value=&quot;Slide 11&quot;/&gt;&lt;property id=&quot;20307&quot; value=&quot;377&quot;/&gt;&lt;/object&gt;&lt;object type=&quot;3&quot; unique_id=&quot;10609&quot;&gt;&lt;property id=&quot;20148&quot; value=&quot;5&quot;/&gt;&lt;property id=&quot;20300&quot; value=&quot;Slide 6&quot;/&gt;&lt;property id=&quot;20307&quot; value=&quot;379&quot;/&gt;&lt;/object&gt;&lt;object type=&quot;3&quot; unique_id=&quot;10610&quot;&gt;&lt;property id=&quot;20148&quot; value=&quot;5&quot;/&gt;&lt;property id=&quot;20300&quot; value=&quot;Slide 7&quot;/&gt;&lt;property id=&quot;20307&quot; value=&quot;378&quot;/&gt;&lt;/object&gt;&lt;object type=&quot;3&quot; unique_id=&quot;10797&quot;&gt;&lt;property id=&quot;20148&quot; value=&quot;5&quot;/&gt;&lt;property id=&quot;20300&quot; value=&quot;Slide 4&quot;/&gt;&lt;property id=&quot;20307&quot; value=&quot;380&quot;/&gt;&lt;/object&gt;&lt;object type=&quot;3&quot; unique_id=&quot;10888&quot;&gt;&lt;property id=&quot;20148&quot; value=&quot;5&quot;/&gt;&lt;property id=&quot;20300&quot; value=&quot;Slide 9&quot;/&gt;&lt;property id=&quot;20307&quot; value=&quot;381&quot;/&gt;&lt;/object&gt;&lt;object type=&quot;3&quot; unique_id=&quot;10945&quot;&gt;&lt;property id=&quot;20148&quot; value=&quot;5&quot;/&gt;&lt;property id=&quot;20300&quot; value=&quot;Slide 3&quot;/&gt;&lt;property id=&quot;20307&quot; value=&quot;382&quot;/&gt;&lt;/object&gt;&lt;object type=&quot;3&quot; unique_id=&quot;11018&quot;&gt;&lt;property id=&quot;20148&quot; value=&quot;5&quot;/&gt;&lt;property id=&quot;20300&quot; value=&quot;Slide 10 - &amp;quot;POISTETTU&amp;quot;&quot;/&gt;&lt;property id=&quot;20307&quot; value=&quot;383&quot;/&gt;&lt;/object&gt;&lt;/object&gt;&lt;object type=&quot;8&quot; unique_id=&quot;10014&quot;&gt;&lt;/object&gt;&lt;/object&gt;&lt;/database&gt;"/>
   <p:tag name="SECTOMILLISECCONVERTED" val="1"/>
 </p:tagLst>
 </file>

--- a/tehtavat/tiedostot/maol/power_point/Racket-MAOL-5-6-turtle1.pptx
+++ b/tehtavat/tiedostot/maol/power_point/Racket-MAOL-5-6-turtle1.pptx
@@ -7790,10 +7790,9 @@
           <a:lstStyle/>
           <a:p>
             <a:r>
-              <a:rPr lang="fi-FI"/>
+              <a:rPr lang="fi-FI" dirty="0"/>
               <a:t>POISTETTU</a:t>
             </a:r>
-            <a:endParaRPr lang="fi-FI"/>
           </a:p>
         </p:txBody>
       </p:sp>
@@ -11901,7 +11900,7 @@
                 </a:solidFill>
                 <a:latin typeface="Arial" charset="0"/>
               </a:rPr>
-              <a:t> - funktion avulla ennetun määrän pikeleitä ja kääntyy </a:t>
+              <a:t> - funktion avulla ennetun määrän pikseleitä ja kääntyy </a:t>
             </a:r>
             <a:r>
               <a:rPr lang="fi-FI" sz="2800" dirty="0">
